--- a/16. DFD Essencial para cada capacidade ref..pptx
+++ b/16. DFD Essencial para cada capacidade ref..pptx
@@ -136,6 +136,174 @@
 </p:presentation>
 </file>
 
+<file path=ppt/ink/ink1.xml><?xml version="1.0" encoding="utf-8"?>
+<inkml:ink xmlns:inkml="http://www.w3.org/2003/InkML">
+  <inkml:definitions>
+    <inkml:context xml:id="ctx0">
+      <inkml:inkSource xml:id="inkSrc0">
+        <inkml:traceFormat>
+          <inkml:channel name="X" type="integer" min="-2.14748E9" max="2.14748E9" units="cm"/>
+          <inkml:channel name="Y" type="integer" min="-2.14748E9" max="2.14748E9" units="cm"/>
+          <inkml:channel name="F" type="integer" max="32767" units="dev"/>
+        </inkml:traceFormat>
+        <inkml:channelProperties>
+          <inkml:channelProperty channel="X" name="resolution" value="1000" units="1/cm"/>
+          <inkml:channelProperty channel="Y" name="resolution" value="1000" units="1/cm"/>
+          <inkml:channelProperty channel="F" name="resolution" value="0" units="1/dev"/>
+        </inkml:channelProperties>
+      </inkml:inkSource>
+      <inkml:timestamp xml:id="ts0" timeString="2021-06-04T02:51:50.031"/>
+    </inkml:context>
+    <inkml:brush xml:id="br0">
+      <inkml:brushProperty name="width" value="0.05" units="cm"/>
+      <inkml:brushProperty name="height" value="0.05" units="cm"/>
+      <inkml:brushProperty name="color" value="#FF0066"/>
+    </inkml:brush>
+  </inkml:definitions>
+  <inkml:trace contextRef="#ctx0" brushRef="#br0">560 67 4642,'0'-8'5003,"0"-26"679,-1 34-5563,1-1 0,0 1 0,0-1 0,0 1 0,0-1 0,0 1 0,0-1-1,-1 0 1,1 1 0,0-1 0,0 1 0,-1 0 0,1-1 0,0 1 0,-1-1 0,1 1 0,0-1 0,-1 1 0,1 0 0,-1-1 0,1 1-1,-1 0 1,1-1 0,-1 1 0,1 0 0,-1 0 0,1 0 0,-1-1 0,1 1 0,-1 0 0,1 0 0,-1 0 0,0 0 0,-22 0-634,16 1 881,2-1-337,0 0-1,0 0 1,1 0-1,-1 1 1,0 0-1,1 0 1,-1 0-1,1 1 1,-1 0-1,1-1 1,0 2-1,-1-1 1,1 0-1,0 1 1,-3 3-1,-12 6 63,-25 12 311,2 3 0,-50 39 0,75-52-276,0 1 0,2 1 0,0 0 0,1 1 0,1 1 0,0 0 0,-13 25 0,-14 16 180,34-52-261,0 1 0,1-1 0,0 1 1,0 0-1,1 1 0,0-1 0,-6 18 0,2 3 132,2 1 0,0 0 0,-1 48-1,7-51-125,-1-17 3,0 0-1,1 0 1,0 0 0,1 0-1,0 0 1,1 0-1,0 0 1,0 0-1,1 0 1,0-1-1,8 16 1,-6-17-40,0 1-1,1-1 1,0-1 0,0 1-1,1-1 1,12 11 0,-15-16 0,0 1 1,1-1 0,-1 0 0,0 0-1,1-1 1,-1 1 0,1-1 0,-1 0 0,1 0-1,0-1 1,0 1 0,-1-1 0,1 0-1,0 0 1,-1-1 0,10-1 0,10-3-14,1 0 0,-1-2 1,-1 0-1,1-2 1,-1 0-1,-1-2 0,0 0 1,0-2-1,22-17 0,-29 18-26,7-5 1,-1 0-1,0-2 0,-1-1 0,-2 0 1,25-34-1,-26 28 35,-1-1 0,-1 0 0,-1-1 0,-1-1 0,-2 0 0,-1 0 0,6-32 0,-10 20 1,-3 17-14,1 0-1,11-34 0,-10 40 6,0-1 0,0 0 0,-2-1-1,0 1 1,-2-1 0,0-27 0,-1 45-4,0 1 1,0-1-1,0 1 0,0-1 0,-1 1 0,1-1 1,-1 1-1,1-1 0,-1 1 0,1-1 0,-1 1 1,1 0-1,-1-1 0,0 1 0,0 0 1,0 0-1,0-1 0,0 1 0,0 0 0,0 0 1,0 0-1,-1 0 0,1 0 0,0 1 0,-1-1 1,1 0-1,-2 0 0,-2-1-10,0 1 0,0 0-1,-1 0 1,1 0 0,0 1 0,0 0 0,0 0-1,-8 1 1,-3 1-20,1 1 0,0 0 0,0 1 0,-26 11 0,28-8-19,0 1 0,1 0-1,0 1 1,0 1 0,1 0 0,-13 14 0,-27 24-525,45-43 429,-3 2-341,0 0 0,1 0 0,-1 1-1,2 0 1,-1 1 0,1-1 0,1 1 0,0 1-1,-8 15 1,-10 25-6328,1-3-974</inkml:trace>
+</inkml:ink>
+</file>
+
+<file path=ppt/ink/ink2.xml><?xml version="1.0" encoding="utf-8"?>
+<inkml:ink xmlns:inkml="http://www.w3.org/2003/InkML">
+  <inkml:definitions>
+    <inkml:context xml:id="ctx0">
+      <inkml:inkSource xml:id="inkSrc0">
+        <inkml:traceFormat>
+          <inkml:channel name="X" type="integer" min="-2.14748E9" max="2.14748E9" units="cm"/>
+          <inkml:channel name="Y" type="integer" min="-2.14748E9" max="2.14748E9" units="cm"/>
+          <inkml:channel name="F" type="integer" max="32767" units="dev"/>
+        </inkml:traceFormat>
+        <inkml:channelProperties>
+          <inkml:channelProperty channel="X" name="resolution" value="1000" units="1/cm"/>
+          <inkml:channelProperty channel="Y" name="resolution" value="1000" units="1/cm"/>
+          <inkml:channelProperty channel="F" name="resolution" value="0" units="1/dev"/>
+        </inkml:channelProperties>
+      </inkml:inkSource>
+      <inkml:timestamp xml:id="ts0" timeString="2021-06-04T02:51:50.516"/>
+    </inkml:context>
+    <inkml:brush xml:id="br0">
+      <inkml:brushProperty name="width" value="0.05" units="cm"/>
+      <inkml:brushProperty name="height" value="0.05" units="cm"/>
+      <inkml:brushProperty name="color" value="#FF0066"/>
+    </inkml:brush>
+  </inkml:definitions>
+  <inkml:trace contextRef="#ctx0" brushRef="#br0">1249 143 8164,'0'-1'183,"0"-1"-1,0 1 1,0 0 0,0-1 0,1 1-1,-1 0 1,0-1 0,1 1 0,-1 0-1,1 0 1,0 0 0,-1-1 0,1 1 0,0 0-1,0 0 1,-1 0 0,1 0 0,0 0-1,2-1 1,-2 1 7,0 0 0,0 0 0,-1 0 0,1 0 1,0 0-1,0 0 0,0 0 0,-1 0 0,1 0 0,0 0 0,-1 0 0,0-1 0,1 1 0,-1 0 0,1 0 0,-1-1 0,0 1 0,0 0 0,0-2 0,0 1 5,0 0 0,0 1 0,1-1 0,-1 1 0,0-1 0,1 0 0,-1 1 0,1-1 0,-1 1 0,1-1 0,0 1 0,-1-1 0,1 1-1,0 0 1,0-1 0,0 1 0,3-2 0,-3 2-115,0 0 0,0 0 0,-1 0 0,1-1 0,0 1 0,0 0 0,0 0 0,-1 0 0,1-1 0,-1 1 0,1 0 0,-1-1 0,1 1 0,-1-1 0,0 1 0,0 0 0,1-3 0,-1-28 1521,0 31-1281,0 1-312,0 0 0,0 0 0,0 0 0,0-1 0,0 1 0,0 0 0,0 0 0,0 0 0,0 0 0,0 0 0,1-1 0,-1 1 0,0 0 0,0 0 0,0 0 0,0 0 0,0-1 0,0 1 0,0 0 0,0 0 0,0 0 0,0 0 0,-1 0 0,1-1 0,0 1 0,0 0 0,0 0 0,0 0 0,0 0 0,0 0 0,0-1 0,0 1 0,0 0 0,0 0 0,-1 0 0,1 0 0,0 0 0,0 0 0,0 0 0,0-1 0,0 1 0,0 0 0,-1 0 0,1 0 0,0 0 0,0 0 0,0 0 0,0 0 0,0 0 0,-1 0 0,1 0 0,0 0 0,0 0 0,0 0 1,0 0-1,-1 0 0,1 0 0,0 0 0,0 0 0,-11 1 18,1 0 0,-1 1 0,1 1 1,0-1-1,0 1 0,0 1 0,0 0 1,0 1-1,1-1 0,0 2 0,0-1 1,0 1-1,1 1 0,-8 7 0,-34 22 141,-78 56 168,-164 153 0,89-69-205,76-77-51,-43 36-3,139-107-38,1 1 0,1 2 0,-28 40 0,48-61-636,-2 7 531,9-11-3750</inkml:trace>
+</inkml:ink>
+</file>
+
+<file path=ppt/ink/ink3.xml><?xml version="1.0" encoding="utf-8"?>
+<inkml:ink xmlns:inkml="http://www.w3.org/2003/InkML">
+  <inkml:definitions>
+    <inkml:context xml:id="ctx0">
+      <inkml:inkSource xml:id="inkSrc0">
+        <inkml:traceFormat>
+          <inkml:channel name="X" type="integer" min="-2.14748E9" max="2.14748E9" units="cm"/>
+          <inkml:channel name="Y" type="integer" min="-2.14748E9" max="2.14748E9" units="cm"/>
+          <inkml:channel name="F" type="integer" max="32767" units="dev"/>
+        </inkml:traceFormat>
+        <inkml:channelProperties>
+          <inkml:channelProperty channel="X" name="resolution" value="1000" units="1/cm"/>
+          <inkml:channelProperty channel="Y" name="resolution" value="1000" units="1/cm"/>
+          <inkml:channelProperty channel="F" name="resolution" value="0" units="1/dev"/>
+        </inkml:channelProperties>
+      </inkml:inkSource>
+      <inkml:timestamp xml:id="ts0" timeString="2021-06-04T02:51:50.864"/>
+    </inkml:context>
+    <inkml:brush xml:id="br0">
+      <inkml:brushProperty name="width" value="0.05" units="cm"/>
+      <inkml:brushProperty name="height" value="0.05" units="cm"/>
+      <inkml:brushProperty name="color" value="#FF0066"/>
+    </inkml:brush>
+  </inkml:definitions>
+  <inkml:trace contextRef="#ctx0" brushRef="#br0">1 29 11685,'0'-1'304,"0"0"-1,0 0 0,0 0 1,0 0-1,0 0 1,1 0-1,-1 0 0,0 0 1,1 1-1,-1-1 0,1 0 1,-1 0-1,1 0 1,-1 0-1,1 1 0,0-1 1,-1 0-1,1 1 0,0-1 1,0 0-1,0 1 1,-1-1-1,1 1 0,1-1 1,30-7 1816,-24 7-2033,-1 1-1,1 1 1,-1-1 0,1 1-1,-1 0 1,12 4 0,15 19 326,98 70 277,102 82-166,-173-127-411,-43-36-96,0 1 0,-1 1-1,0 1 1,-2 0 0,19 24 0,-11-3-108,-17-27-76,0 0 0,0-1-1,1 1 1,1-1 0,13 12 0,30 18-2720,11 9-6018,-15-11-46</inkml:trace>
+</inkml:ink>
+</file>
+
+<file path=ppt/ink/ink4.xml><?xml version="1.0" encoding="utf-8"?>
+<inkml:ink xmlns:inkml="http://www.w3.org/2003/InkML">
+  <inkml:definitions>
+    <inkml:context xml:id="ctx0">
+      <inkml:inkSource xml:id="inkSrc0">
+        <inkml:traceFormat>
+          <inkml:channel name="X" type="integer" min="-2.14748E9" max="2.14748E9" units="cm"/>
+          <inkml:channel name="Y" type="integer" min="-2.14748E9" max="2.14748E9" units="cm"/>
+          <inkml:channel name="F" type="integer" max="32767" units="dev"/>
+        </inkml:traceFormat>
+        <inkml:channelProperties>
+          <inkml:channelProperty channel="X" name="resolution" value="1000" units="1/cm"/>
+          <inkml:channelProperty channel="Y" name="resolution" value="1000" units="1/cm"/>
+          <inkml:channelProperty channel="F" name="resolution" value="0" units="1/dev"/>
+        </inkml:channelProperties>
+      </inkml:inkSource>
+      <inkml:timestamp xml:id="ts0" timeString="2021-06-04T02:51:48.659"/>
+    </inkml:context>
+    <inkml:brush xml:id="br0">
+      <inkml:brushProperty name="width" value="0.05" units="cm"/>
+      <inkml:brushProperty name="height" value="0.05" units="cm"/>
+      <inkml:brushProperty name="color" value="#FF0066"/>
+    </inkml:brush>
+  </inkml:definitions>
+  <inkml:trace contextRef="#ctx0" brushRef="#br0">627 105 240,'2'-19'5427,"12"7"-2702,-10 10-2486,-4 1-152,1 1 0,-1-1 0,1 0 0,-1 0 0,1 1 0,-1-1 0,1 0 0,-1 0 0,0 0 0,1 1 0,-1-1 0,0 0 0,0 0 0,0 0 0,1 0 0,-1 0 0,0 0 0,0 0 1,0 1-1,-1-1 0,1 0 0,0 0 0,0 0 0,-1-1 0,1 1-8,-1 0 0,1 0 1,0 0-1,0 0 0,0 0 1,0-1-1,0 1 0,0 0 1,0 0-1,0 0 0,0 0 1,0 0-1,1 0 0,-1 0 0,0 0 1,1 0-1,-1 0 0,1 0 1,-1 0-1,1 0 0,6-3 17,2-3 1701,-5-9 3620,-28 16-5016,21 0-377,-1 0 0,0 0 1,1 0-1,-1 1 1,0 0-1,1-1 1,-1 1-1,1 1 0,-1-1 1,1 0-1,0 1 1,-1 0-1,-5 3 1,-33 17 153,34-19-162,-1 1-1,1 0 1,0 1 0,0 0 0,1 0-1,0 1 1,0 0 0,0 0 0,0 0-1,-7 10 1,2-3 6,-1-2-1,0 1 0,-23 14 1,24-19 19,1 1 0,0 1 0,1-1 0,0 2 0,0-1 1,-15 22-1,6-4-61,3-5 31,2 1 1,0 1 0,-13 30-1,24-40 14,0 0-1,2 0 0,-1 0 0,2 0 1,0 0-1,3 24 0,-1 9-87,-2-38 78,0-1-1,1 1 1,0-1 0,0 1-1,1-1 1,0 1 0,0-1 0,1 0-1,5 10 1,-6 20-33,-2-33 20,0 0 0,-1 0 0,2 0 0,-1-1 0,0 1 0,1 0 0,0 0 0,2 6 0,4 5 0,1 1 0,0-2 1,1 1-1,0-1 0,17 19 0,-6-10 47,-18-20-43,0-1 1,1 0-1,-1 0 1,1 0 0,-1 0-1,1-1 1,0 1-1,0-1 1,0 0-1,1 0 1,-1 0-1,0 0 1,1 0-1,6 2 1,26 6 10,-31-8 8,0 0 0,0 0 1,0-1-1,0 0 1,0 0-1,0-1 0,1 1 1,5-1-1,-10 0-17,7-12 446,13 5-267,1-2-55,29-40 109,-40 37-219,59-69 110,-62 71-106,-1 0-1,0-1 1,0 0 0,-1 0-1,-1 0 1,6-16 0,-7 15 10,1 1 0,0 1 0,0-1 0,1 1 0,13-19 0,-12 20-21,-1 0 0,0-1-1,0 0 1,-1-1 0,0 1 0,5-20 0,-5 15-3,-1-1 1,14-25-1,-11 25 24,-1 0 1,9-29 0,-14 41-34,5-20 14,-1 0-1,2-33 1,-6 49-12,-1 0-1,0 0 0,-1 0 1,0 0-1,0 0 1,-1 0-1,0 1 1,0-1-1,-1 0 0,0 1 1,-6-12-1,-2 0 29,-21-33-70,29 48 26,1 2 0,-1-1 0,0 0-1,0 0 1,0 1 0,0-1 0,0 1 0,-1 0 0,1 0 0,0 0 0,-1 1-1,0-1 1,-6-1 0,-6 0-29,0 1 0,-1 0 0,1 1 0,-1 1 0,1 0 0,-1 2 0,1 0 0,0 0 0,-1 2 0,1 0 0,1 1 0,-1 0 0,-25 13 0,-123 80-2988,117-75-1183,1 3 0,-68 47 0,-2 12-3112</inkml:trace>
+</inkml:ink>
+</file>
+
+<file path=ppt/ink/ink5.xml><?xml version="1.0" encoding="utf-8"?>
+<inkml:ink xmlns:inkml="http://www.w3.org/2003/InkML">
+  <inkml:definitions>
+    <inkml:context xml:id="ctx0">
+      <inkml:inkSource xml:id="inkSrc0">
+        <inkml:traceFormat>
+          <inkml:channel name="X" type="integer" min="-2.14748E9" max="2.14748E9" units="cm"/>
+          <inkml:channel name="Y" type="integer" min="-2.14748E9" max="2.14748E9" units="cm"/>
+          <inkml:channel name="F" type="integer" max="32767" units="dev"/>
+        </inkml:traceFormat>
+        <inkml:channelProperties>
+          <inkml:channelProperty channel="X" name="resolution" value="1000" units="1/cm"/>
+          <inkml:channelProperty channel="Y" name="resolution" value="1000" units="1/cm"/>
+          <inkml:channelProperty channel="F" name="resolution" value="0" units="1/dev"/>
+        </inkml:channelProperties>
+      </inkml:inkSource>
+      <inkml:timestamp xml:id="ts0" timeString="2021-06-04T02:51:51.347"/>
+    </inkml:context>
+    <inkml:brush xml:id="br0">
+      <inkml:brushProperty name="width" value="0.05" units="cm"/>
+      <inkml:brushProperty name="height" value="0.05" units="cm"/>
+      <inkml:brushProperty name="color" value="#FF0066"/>
+    </inkml:brush>
+  </inkml:definitions>
+  <inkml:trace contextRef="#ctx0" brushRef="#br0">761 336 3442,'1'-2'122,"-1"-1"1,0 1-1,1 0 1,-1 0-1,1 0 1,-1 0 0,1 0-1,0 0 1,0 0-1,0 0 1,0 0-1,0 0 1,1 1 0,-1-1-1,0 0 1,1 1-1,-1-1 1,1 1-1,0-1 1,-1 1 0,3-1-1,18-20 1557,1-11 971,-1-2 1,18-39-1,-35 64-1957,20-24 1836,-23 32-2390,1 0 1,-1-1-1,0 1 0,0-1 0,0 0 1,0 0-1,-1 0 0,1 1 1,-1-1-1,0-1 0,1 1 1,-1 0-1,-1 0 0,1 0 0,0-1 1,-1 1-1,0 0 0,1-5 1,-1 7-101,0 0 0,0 0 0,-1 0 0,1 0 0,0 0 1,0 0-1,0 0 0,-1 0 0,1 0 0,-1 0 0,1 0 1,-1 0-1,1 0 0,-1 0 0,1 0 0,-1 1 0,0-1 0,1 0 1,-1 0-1,0 1 0,0-1 0,0 0 0,0 1 0,1-1 1,-1 1-1,0-1 0,0 1 0,0-1 0,0 1 0,0 0 1,-2-1-1,-2 0-6,0 1 0,-1-1-1,1 1 1,0 0 0,0 1 0,0-1 0,-8 2 0,-6 3-18,-1 1 0,-35 15-1,-13 16 72,1 2 0,3 4-1,-79 67 1,69-52-95,-4-2 3,-61 51 19,125-94-24,0 0 0,1 2 0,0-1 0,1 1 0,1 1 1,1 0-1,-9 18 0,4-9-171,-10 20-42,24-43 1,0 0-1,1 0 1,-1 1-1,0-1 1,1 0-1,-1 0 1,1 0-1,-1 0 1,1 1-1,0-1 1,0 0-1,0 0 1,0 1-1,1-1 1,-1 0-1,1 0 1,0 2-1,14 15-7593</inkml:trace>
+</inkml:ink>
+</file>
+
+<file path=ppt/ink/ink6.xml><?xml version="1.0" encoding="utf-8"?>
+<inkml:ink xmlns:inkml="http://www.w3.org/2003/InkML">
+  <inkml:definitions>
+    <inkml:context xml:id="ctx0">
+      <inkml:inkSource xml:id="inkSrc0">
+        <inkml:traceFormat>
+          <inkml:channel name="X" type="integer" min="-2.14748E9" max="2.14748E9" units="cm"/>
+          <inkml:channel name="Y" type="integer" min="-2.14748E9" max="2.14748E9" units="cm"/>
+          <inkml:channel name="F" type="integer" max="32767" units="dev"/>
+        </inkml:traceFormat>
+        <inkml:channelProperties>
+          <inkml:channelProperty channel="X" name="resolution" value="1000" units="1/cm"/>
+          <inkml:channelProperty channel="Y" name="resolution" value="1000" units="1/cm"/>
+          <inkml:channelProperty channel="F" name="resolution" value="0" units="1/dev"/>
+        </inkml:channelProperties>
+      </inkml:inkSource>
+      <inkml:timestamp xml:id="ts0" timeString="2021-06-04T02:51:51.754"/>
+    </inkml:context>
+    <inkml:brush xml:id="br0">
+      <inkml:brushProperty name="width" value="0.05" units="cm"/>
+      <inkml:brushProperty name="height" value="0.05" units="cm"/>
+      <inkml:brushProperty name="color" value="#FF0066"/>
+    </inkml:brush>
+  </inkml:definitions>
+  <inkml:trace contextRef="#ctx0" brushRef="#br0">1 58 14727,'0'-58'7723,"7"59"-7269,4 2-367,0 0 1,0 0-1,-1 1 1,1 0-1,-1 0 1,0 2-1,0-1 1,-1 1-1,17 13 1,85 82 443,-91-81-443,18 22 53,41 55 0,14 17-10,-68-86-349,18 19 587,66 96 0,-98-127-673,-2 0-1,0 0 1,-1 1-1,0 0 1,-2 0-1,0 1 0,-1 0 1,0 0-1,-2 0 1,0 1-1,0 19 1,-3 13-7900,0-14-1187</inkml:trace>
+</inkml:ink>
+</file>
+
 <file path=ppt/notesMasters/notesMaster1.xml><?xml version="1.0" encoding="utf-8"?>
 <p:notesMaster xmlns:a="http://schemas.openxmlformats.org/drawingml/2006/main" xmlns:r="http://schemas.openxmlformats.org/officeDocument/2006/relationships" xmlns:p="http://schemas.openxmlformats.org/presentationml/2006/main">
   <p:cSld>
@@ -219,7 +387,7 @@
             <a:fld id="{0CBAEBB3-1A8D-43BC-BCAA-D1C24BFF2EC0}" type="datetimeFigureOut">
               <a:rPr lang="pt-BR" smtClean="0"/>
               <a:pPr/>
-              <a:t>22/05/2021</a:t>
+              <a:t>03/06/2021</a:t>
             </a:fld>
             <a:endParaRPr lang="pt-BR"/>
           </a:p>
@@ -746,7 +914,7 @@
             <a:fld id="{E6A513FE-2268-46F0-9340-4280E0364C2D}" type="datetimeFigureOut">
               <a:rPr lang="pt-BR" smtClean="0"/>
               <a:pPr/>
-              <a:t>22/05/2021</a:t>
+              <a:t>03/06/2021</a:t>
             </a:fld>
             <a:endParaRPr lang="pt-BR"/>
           </a:p>
@@ -911,7 +1079,7 @@
             <a:fld id="{E6A513FE-2268-46F0-9340-4280E0364C2D}" type="datetimeFigureOut">
               <a:rPr lang="pt-BR" smtClean="0"/>
               <a:pPr/>
-              <a:t>22/05/2021</a:t>
+              <a:t>03/06/2021</a:t>
             </a:fld>
             <a:endParaRPr lang="pt-BR"/>
           </a:p>
@@ -1086,7 +1254,7 @@
             <a:fld id="{E6A513FE-2268-46F0-9340-4280E0364C2D}" type="datetimeFigureOut">
               <a:rPr lang="pt-BR" smtClean="0"/>
               <a:pPr/>
-              <a:t>22/05/2021</a:t>
+              <a:t>03/06/2021</a:t>
             </a:fld>
             <a:endParaRPr lang="pt-BR"/>
           </a:p>
@@ -1251,7 +1419,7 @@
             <a:fld id="{E6A513FE-2268-46F0-9340-4280E0364C2D}" type="datetimeFigureOut">
               <a:rPr lang="pt-BR" smtClean="0"/>
               <a:pPr/>
-              <a:t>22/05/2021</a:t>
+              <a:t>03/06/2021</a:t>
             </a:fld>
             <a:endParaRPr lang="pt-BR"/>
           </a:p>
@@ -1493,7 +1661,7 @@
             <a:fld id="{E6A513FE-2268-46F0-9340-4280E0364C2D}" type="datetimeFigureOut">
               <a:rPr lang="pt-BR" smtClean="0"/>
               <a:pPr/>
-              <a:t>22/05/2021</a:t>
+              <a:t>03/06/2021</a:t>
             </a:fld>
             <a:endParaRPr lang="pt-BR"/>
           </a:p>
@@ -1775,7 +1943,7 @@
             <a:fld id="{E6A513FE-2268-46F0-9340-4280E0364C2D}" type="datetimeFigureOut">
               <a:rPr lang="pt-BR" smtClean="0"/>
               <a:pPr/>
-              <a:t>22/05/2021</a:t>
+              <a:t>03/06/2021</a:t>
             </a:fld>
             <a:endParaRPr lang="pt-BR"/>
           </a:p>
@@ -2191,7 +2359,7 @@
             <a:fld id="{E6A513FE-2268-46F0-9340-4280E0364C2D}" type="datetimeFigureOut">
               <a:rPr lang="pt-BR" smtClean="0"/>
               <a:pPr/>
-              <a:t>22/05/2021</a:t>
+              <a:t>03/06/2021</a:t>
             </a:fld>
             <a:endParaRPr lang="pt-BR"/>
           </a:p>
@@ -2305,7 +2473,7 @@
             <a:fld id="{E6A513FE-2268-46F0-9340-4280E0364C2D}" type="datetimeFigureOut">
               <a:rPr lang="pt-BR" smtClean="0"/>
               <a:pPr/>
-              <a:t>22/05/2021</a:t>
+              <a:t>03/06/2021</a:t>
             </a:fld>
             <a:endParaRPr lang="pt-BR"/>
           </a:p>
@@ -2397,7 +2565,7 @@
             <a:fld id="{E6A513FE-2268-46F0-9340-4280E0364C2D}" type="datetimeFigureOut">
               <a:rPr lang="pt-BR" smtClean="0"/>
               <a:pPr/>
-              <a:t>22/05/2021</a:t>
+              <a:t>03/06/2021</a:t>
             </a:fld>
             <a:endParaRPr lang="pt-BR"/>
           </a:p>
@@ -2669,7 +2837,7 @@
             <a:fld id="{E6A513FE-2268-46F0-9340-4280E0364C2D}" type="datetimeFigureOut">
               <a:rPr lang="pt-BR" smtClean="0"/>
               <a:pPr/>
-              <a:t>22/05/2021</a:t>
+              <a:t>03/06/2021</a:t>
             </a:fld>
             <a:endParaRPr lang="pt-BR"/>
           </a:p>
@@ -2918,7 +3086,7 @@
             <a:fld id="{E6A513FE-2268-46F0-9340-4280E0364C2D}" type="datetimeFigureOut">
               <a:rPr lang="pt-BR" smtClean="0"/>
               <a:pPr/>
-              <a:t>22/05/2021</a:t>
+              <a:t>03/06/2021</a:t>
             </a:fld>
             <a:endParaRPr lang="pt-BR"/>
           </a:p>
@@ -3126,7 +3294,7 @@
             <a:fld id="{E6A513FE-2268-46F0-9340-4280E0364C2D}" type="datetimeFigureOut">
               <a:rPr lang="pt-BR" smtClean="0"/>
               <a:pPr/>
-              <a:t>22/05/2021</a:t>
+              <a:t>03/06/2021</a:t>
             </a:fld>
             <a:endParaRPr lang="pt-BR"/>
           </a:p>
@@ -3654,151 +3822,6 @@
           <a:noFill/>
         </p:spPr>
       </p:pic>
-      <p:sp>
-        <p:nvSpPr>
-          <p:cNvPr id="4" name="Sinal de Multiplicação 3">
-            <a:extLst>
-              <a:ext uri="{FF2B5EF4-FFF2-40B4-BE49-F238E27FC236}">
-                <a16:creationId xmlns:a16="http://schemas.microsoft.com/office/drawing/2014/main" id="{0107E770-84C4-454E-89A4-31E4F456A97B}"/>
-              </a:ext>
-            </a:extLst>
-          </p:cNvPr>
-          <p:cNvSpPr/>
-          <p:nvPr/>
-        </p:nvSpPr>
-        <p:spPr>
-          <a:xfrm>
-            <a:off x="6084168" y="502359"/>
-            <a:ext cx="300566" cy="306917"/>
-          </a:xfrm>
-          <a:prstGeom prst="mathMultiply">
-            <a:avLst/>
-          </a:prstGeom>
-          <a:solidFill>
-            <a:srgbClr val="FF0000"/>
-          </a:solidFill>
-        </p:spPr>
-        <p:style>
-          <a:lnRef idx="2">
-            <a:schemeClr val="accent1">
-              <a:shade val="50000"/>
-            </a:schemeClr>
-          </a:lnRef>
-          <a:fillRef idx="1">
-            <a:schemeClr val="accent1"/>
-          </a:fillRef>
-          <a:effectRef idx="0">
-            <a:schemeClr val="accent1"/>
-          </a:effectRef>
-          <a:fontRef idx="minor">
-            <a:schemeClr val="lt1"/>
-          </a:fontRef>
-        </p:style>
-        <p:txBody>
-          <a:bodyPr rot="0" spcFirstLastPara="0" vert="horz" wrap="square" lIns="91440" tIns="45720" rIns="91440" bIns="45720" numCol="1" spcCol="0" rtlCol="0" fromWordArt="0" anchor="t" anchorCtr="0" forceAA="0" compatLnSpc="1">
-            <a:prstTxWarp prst="textNoShape">
-              <a:avLst/>
-            </a:prstTxWarp>
-            <a:noAutofit/>
-          </a:bodyPr>
-          <a:lstStyle>
-            <a:lvl1pPr marL="0" indent="0">
-              <a:defRPr sz="1100">
-                <a:solidFill>
-                  <a:schemeClr val="lt1"/>
-                </a:solidFill>
-                <a:latin typeface="+mn-lt"/>
-                <a:ea typeface="+mn-ea"/>
-                <a:cs typeface="+mn-cs"/>
-              </a:defRPr>
-            </a:lvl1pPr>
-            <a:lvl2pPr marL="457200" indent="0">
-              <a:defRPr sz="1100">
-                <a:solidFill>
-                  <a:schemeClr val="lt1"/>
-                </a:solidFill>
-                <a:latin typeface="+mn-lt"/>
-                <a:ea typeface="+mn-ea"/>
-                <a:cs typeface="+mn-cs"/>
-              </a:defRPr>
-            </a:lvl2pPr>
-            <a:lvl3pPr marL="914400" indent="0">
-              <a:defRPr sz="1100">
-                <a:solidFill>
-                  <a:schemeClr val="lt1"/>
-                </a:solidFill>
-                <a:latin typeface="+mn-lt"/>
-                <a:ea typeface="+mn-ea"/>
-                <a:cs typeface="+mn-cs"/>
-              </a:defRPr>
-            </a:lvl3pPr>
-            <a:lvl4pPr marL="1371600" indent="0">
-              <a:defRPr sz="1100">
-                <a:solidFill>
-                  <a:schemeClr val="lt1"/>
-                </a:solidFill>
-                <a:latin typeface="+mn-lt"/>
-                <a:ea typeface="+mn-ea"/>
-                <a:cs typeface="+mn-cs"/>
-              </a:defRPr>
-            </a:lvl4pPr>
-            <a:lvl5pPr marL="1828800" indent="0">
-              <a:defRPr sz="1100">
-                <a:solidFill>
-                  <a:schemeClr val="lt1"/>
-                </a:solidFill>
-                <a:latin typeface="+mn-lt"/>
-                <a:ea typeface="+mn-ea"/>
-                <a:cs typeface="+mn-cs"/>
-              </a:defRPr>
-            </a:lvl5pPr>
-            <a:lvl6pPr marL="2286000" indent="0">
-              <a:defRPr sz="1100">
-                <a:solidFill>
-                  <a:schemeClr val="lt1"/>
-                </a:solidFill>
-                <a:latin typeface="+mn-lt"/>
-                <a:ea typeface="+mn-ea"/>
-                <a:cs typeface="+mn-cs"/>
-              </a:defRPr>
-            </a:lvl6pPr>
-            <a:lvl7pPr marL="2743200" indent="0">
-              <a:defRPr sz="1100">
-                <a:solidFill>
-                  <a:schemeClr val="lt1"/>
-                </a:solidFill>
-                <a:latin typeface="+mn-lt"/>
-                <a:ea typeface="+mn-ea"/>
-                <a:cs typeface="+mn-cs"/>
-              </a:defRPr>
-            </a:lvl7pPr>
-            <a:lvl8pPr marL="3200400" indent="0">
-              <a:defRPr sz="1100">
-                <a:solidFill>
-                  <a:schemeClr val="lt1"/>
-                </a:solidFill>
-                <a:latin typeface="+mn-lt"/>
-                <a:ea typeface="+mn-ea"/>
-                <a:cs typeface="+mn-cs"/>
-              </a:defRPr>
-            </a:lvl8pPr>
-            <a:lvl9pPr marL="3657600" indent="0">
-              <a:defRPr sz="1100">
-                <a:solidFill>
-                  <a:schemeClr val="lt1"/>
-                </a:solidFill>
-                <a:latin typeface="+mn-lt"/>
-                <a:ea typeface="+mn-ea"/>
-                <a:cs typeface="+mn-cs"/>
-              </a:defRPr>
-            </a:lvl9pPr>
-          </a:lstStyle>
-          <a:p>
-            <a:pPr algn="l"/>
-            <a:endParaRPr lang="pt-BR" sz="1100"/>
-          </a:p>
-        </p:txBody>
-      </p:sp>
     </p:spTree>
   </p:cSld>
   <p:clrMapOvr>
@@ -4392,151 +4415,354 @@
           <a:noFill/>
         </p:spPr>
       </p:pic>
-      <p:sp>
-        <p:nvSpPr>
-          <p:cNvPr id="4" name="Sinal de Multiplicação 3">
+      <p:grpSp>
+        <p:nvGrpSpPr>
+          <p:cNvPr id="11" name="Agrupar 10">
             <a:extLst>
               <a:ext uri="{FF2B5EF4-FFF2-40B4-BE49-F238E27FC236}">
-                <a16:creationId xmlns:a16="http://schemas.microsoft.com/office/drawing/2014/main" id="{0107E770-84C4-454E-89A4-31E4F456A97B}"/>
+                <a16:creationId xmlns:a16="http://schemas.microsoft.com/office/drawing/2014/main" id="{6E5F924C-C32C-4E97-9B9A-35F84EF77B56}"/>
               </a:ext>
             </a:extLst>
           </p:cNvPr>
-          <p:cNvSpPr/>
+          <p:cNvGrpSpPr/>
           <p:nvPr/>
-        </p:nvSpPr>
-        <p:spPr>
+        </p:nvGrpSpPr>
+        <p:grpSpPr>
           <a:xfrm>
-            <a:off x="4559474" y="1772816"/>
-            <a:ext cx="300566" cy="306917"/>
+            <a:off x="3646953" y="2542562"/>
+            <a:ext cx="534960" cy="413640"/>
+            <a:chOff x="3646953" y="2542562"/>
+            <a:chExt cx="534960" cy="413640"/>
           </a:xfrm>
-          <a:prstGeom prst="mathMultiply">
-            <a:avLst/>
-          </a:prstGeom>
-          <a:solidFill>
-            <a:srgbClr val="FF0000"/>
-          </a:solidFill>
-        </p:spPr>
-        <p:style>
-          <a:lnRef idx="2">
-            <a:schemeClr val="accent1">
-              <a:shade val="50000"/>
-            </a:schemeClr>
-          </a:lnRef>
-          <a:fillRef idx="1">
-            <a:schemeClr val="accent1"/>
-          </a:fillRef>
-          <a:effectRef idx="0">
-            <a:schemeClr val="accent1"/>
-          </a:effectRef>
-          <a:fontRef idx="minor">
-            <a:schemeClr val="lt1"/>
-          </a:fontRef>
-        </p:style>
-        <p:txBody>
-          <a:bodyPr rot="0" spcFirstLastPara="0" vert="horz" wrap="square" lIns="91440" tIns="45720" rIns="91440" bIns="45720" numCol="1" spcCol="0" rtlCol="0" fromWordArt="0" anchor="t" anchorCtr="0" forceAA="0" compatLnSpc="1">
-            <a:prstTxWarp prst="textNoShape">
-              <a:avLst/>
-            </a:prstTxWarp>
-            <a:noAutofit/>
-          </a:bodyPr>
-          <a:lstStyle>
-            <a:lvl1pPr marL="0" indent="0">
-              <a:defRPr sz="1100">
-                <a:solidFill>
-                  <a:schemeClr val="lt1"/>
-                </a:solidFill>
-                <a:latin typeface="+mn-lt"/>
-                <a:ea typeface="+mn-ea"/>
-                <a:cs typeface="+mn-cs"/>
-              </a:defRPr>
-            </a:lvl1pPr>
-            <a:lvl2pPr marL="457200" indent="0">
-              <a:defRPr sz="1100">
-                <a:solidFill>
-                  <a:schemeClr val="lt1"/>
-                </a:solidFill>
-                <a:latin typeface="+mn-lt"/>
-                <a:ea typeface="+mn-ea"/>
-                <a:cs typeface="+mn-cs"/>
-              </a:defRPr>
-            </a:lvl2pPr>
-            <a:lvl3pPr marL="914400" indent="0">
-              <a:defRPr sz="1100">
-                <a:solidFill>
-                  <a:schemeClr val="lt1"/>
-                </a:solidFill>
-                <a:latin typeface="+mn-lt"/>
-                <a:ea typeface="+mn-ea"/>
-                <a:cs typeface="+mn-cs"/>
-              </a:defRPr>
-            </a:lvl3pPr>
-            <a:lvl4pPr marL="1371600" indent="0">
-              <a:defRPr sz="1100">
-                <a:solidFill>
-                  <a:schemeClr val="lt1"/>
-                </a:solidFill>
-                <a:latin typeface="+mn-lt"/>
-                <a:ea typeface="+mn-ea"/>
-                <a:cs typeface="+mn-cs"/>
-              </a:defRPr>
-            </a:lvl4pPr>
-            <a:lvl5pPr marL="1828800" indent="0">
-              <a:defRPr sz="1100">
-                <a:solidFill>
-                  <a:schemeClr val="lt1"/>
-                </a:solidFill>
-                <a:latin typeface="+mn-lt"/>
-                <a:ea typeface="+mn-ea"/>
-                <a:cs typeface="+mn-cs"/>
-              </a:defRPr>
-            </a:lvl5pPr>
-            <a:lvl6pPr marL="2286000" indent="0">
-              <a:defRPr sz="1100">
-                <a:solidFill>
-                  <a:schemeClr val="lt1"/>
-                </a:solidFill>
-                <a:latin typeface="+mn-lt"/>
-                <a:ea typeface="+mn-ea"/>
-                <a:cs typeface="+mn-cs"/>
-              </a:defRPr>
-            </a:lvl6pPr>
-            <a:lvl7pPr marL="2743200" indent="0">
-              <a:defRPr sz="1100">
-                <a:solidFill>
-                  <a:schemeClr val="lt1"/>
-                </a:solidFill>
-                <a:latin typeface="+mn-lt"/>
-                <a:ea typeface="+mn-ea"/>
-                <a:cs typeface="+mn-cs"/>
-              </a:defRPr>
-            </a:lvl7pPr>
-            <a:lvl8pPr marL="3200400" indent="0">
-              <a:defRPr sz="1100">
-                <a:solidFill>
-                  <a:schemeClr val="lt1"/>
-                </a:solidFill>
-                <a:latin typeface="+mn-lt"/>
-                <a:ea typeface="+mn-ea"/>
-                <a:cs typeface="+mn-cs"/>
-              </a:defRPr>
-            </a:lvl8pPr>
-            <a:lvl9pPr marL="3657600" indent="0">
-              <a:defRPr sz="1100">
-                <a:solidFill>
-                  <a:schemeClr val="lt1"/>
-                </a:solidFill>
-                <a:latin typeface="+mn-lt"/>
-                <a:ea typeface="+mn-ea"/>
-                <a:cs typeface="+mn-cs"/>
-              </a:defRPr>
-            </a:lvl9pPr>
-          </a:lstStyle>
-          <a:p>
-            <a:pPr algn="l"/>
-            <a:endParaRPr lang="pt-BR" sz="1100"/>
-          </a:p>
-        </p:txBody>
-      </p:sp>
+        </p:grpSpPr>
+        <mc:AlternateContent xmlns:mc="http://schemas.openxmlformats.org/markup-compatibility/2006">
+          <mc:Choice xmlns:p14="http://schemas.microsoft.com/office/powerpoint/2010/main" Requires="p14">
+            <p:contentPart p14:bwMode="auto" r:id="rId3">
+              <p14:nvContentPartPr>
+                <p14:cNvPr id="4" name="Tinta 3">
+                  <a:extLst>
+                    <a:ext uri="{FF2B5EF4-FFF2-40B4-BE49-F238E27FC236}">
+                      <a16:creationId xmlns:a16="http://schemas.microsoft.com/office/drawing/2014/main" id="{EC081690-AC67-47BC-B3A8-8DA6FCA6A266}"/>
+                    </a:ext>
+                  </a:extLst>
+                </p14:cNvPr>
+                <p14:cNvContentPartPr/>
+                <p14:nvPr/>
+              </p14:nvContentPartPr>
+              <p14:xfrm>
+                <a:off x="3646953" y="2640842"/>
+                <a:ext cx="267120" cy="315360"/>
+              </p14:xfrm>
+            </p:contentPart>
+          </mc:Choice>
+          <mc:Fallback>
+            <p:pic>
+              <p:nvPicPr>
+                <p:cNvPr id="4" name="Tinta 3">
+                  <a:extLst>
+                    <a:ext uri="{FF2B5EF4-FFF2-40B4-BE49-F238E27FC236}">
+                      <a16:creationId xmlns:a16="http://schemas.microsoft.com/office/drawing/2014/main" id="{EC081690-AC67-47BC-B3A8-8DA6FCA6A266}"/>
+                    </a:ext>
+                  </a:extLst>
+                </p:cNvPr>
+                <p:cNvPicPr/>
+                <p:nvPr/>
+              </p:nvPicPr>
+              <p:blipFill>
+                <a:blip r:embed="rId4"/>
+                <a:stretch>
+                  <a:fillRect/>
+                </a:stretch>
+              </p:blipFill>
+              <p:spPr>
+                <a:xfrm>
+                  <a:off x="3638313" y="2632202"/>
+                  <a:ext cx="284760" cy="333000"/>
+                </a:xfrm>
+                <a:prstGeom prst="rect">
+                  <a:avLst/>
+                </a:prstGeom>
+              </p:spPr>
+            </p:pic>
+          </mc:Fallback>
+        </mc:AlternateContent>
+        <mc:AlternateContent xmlns:mc="http://schemas.openxmlformats.org/markup-compatibility/2006">
+          <mc:Choice xmlns:p14="http://schemas.microsoft.com/office/powerpoint/2010/main" Requires="p14">
+            <p:contentPart p14:bwMode="auto" r:id="rId5">
+              <p14:nvContentPartPr>
+                <p14:cNvPr id="5" name="Tinta 4">
+                  <a:extLst>
+                    <a:ext uri="{FF2B5EF4-FFF2-40B4-BE49-F238E27FC236}">
+                      <a16:creationId xmlns:a16="http://schemas.microsoft.com/office/drawing/2014/main" id="{13711043-BE35-4938-A1DF-D84E9A1A8777}"/>
+                    </a:ext>
+                  </a:extLst>
+                </p14:cNvPr>
+                <p14:cNvContentPartPr/>
+                <p14:nvPr/>
+              </p14:nvContentPartPr>
+              <p14:xfrm>
+                <a:off x="3648033" y="2542562"/>
+                <a:ext cx="466920" cy="375480"/>
+              </p14:xfrm>
+            </p:contentPart>
+          </mc:Choice>
+          <mc:Fallback>
+            <p:pic>
+              <p:nvPicPr>
+                <p:cNvPr id="5" name="Tinta 4">
+                  <a:extLst>
+                    <a:ext uri="{FF2B5EF4-FFF2-40B4-BE49-F238E27FC236}">
+                      <a16:creationId xmlns:a16="http://schemas.microsoft.com/office/drawing/2014/main" id="{13711043-BE35-4938-A1DF-D84E9A1A8777}"/>
+                    </a:ext>
+                  </a:extLst>
+                </p:cNvPr>
+                <p:cNvPicPr/>
+                <p:nvPr/>
+              </p:nvPicPr>
+              <p:blipFill>
+                <a:blip r:embed="rId6"/>
+                <a:stretch>
+                  <a:fillRect/>
+                </a:stretch>
+              </p:blipFill>
+              <p:spPr>
+                <a:xfrm>
+                  <a:off x="3639393" y="2533922"/>
+                  <a:ext cx="484560" cy="393120"/>
+                </a:xfrm>
+                <a:prstGeom prst="rect">
+                  <a:avLst/>
+                </a:prstGeom>
+              </p:spPr>
+            </p:pic>
+          </mc:Fallback>
+        </mc:AlternateContent>
+        <mc:AlternateContent xmlns:mc="http://schemas.openxmlformats.org/markup-compatibility/2006">
+          <mc:Choice xmlns:p14="http://schemas.microsoft.com/office/powerpoint/2010/main" Requires="p14">
+            <p:contentPart p14:bwMode="auto" r:id="rId7">
+              <p14:nvContentPartPr>
+                <p14:cNvPr id="7" name="Tinta 6">
+                  <a:extLst>
+                    <a:ext uri="{FF2B5EF4-FFF2-40B4-BE49-F238E27FC236}">
+                      <a16:creationId xmlns:a16="http://schemas.microsoft.com/office/drawing/2014/main" id="{C0D94E2E-415F-4284-B89B-C9D892B14218}"/>
+                    </a:ext>
+                  </a:extLst>
+                </p14:cNvPr>
+                <p14:cNvContentPartPr/>
+                <p14:nvPr/>
+              </p14:nvContentPartPr>
+              <p14:xfrm>
+                <a:off x="3848193" y="2560202"/>
+                <a:ext cx="333720" cy="250200"/>
+              </p14:xfrm>
+            </p:contentPart>
+          </mc:Choice>
+          <mc:Fallback>
+            <p:pic>
+              <p:nvPicPr>
+                <p:cNvPr id="7" name="Tinta 6">
+                  <a:extLst>
+                    <a:ext uri="{FF2B5EF4-FFF2-40B4-BE49-F238E27FC236}">
+                      <a16:creationId xmlns:a16="http://schemas.microsoft.com/office/drawing/2014/main" id="{C0D94E2E-415F-4284-B89B-C9D892B14218}"/>
+                    </a:ext>
+                  </a:extLst>
+                </p:cNvPr>
+                <p:cNvPicPr/>
+                <p:nvPr/>
+              </p:nvPicPr>
+              <p:blipFill>
+                <a:blip r:embed="rId8"/>
+                <a:stretch>
+                  <a:fillRect/>
+                </a:stretch>
+              </p:blipFill>
+              <p:spPr>
+                <a:xfrm>
+                  <a:off x="3839553" y="2551202"/>
+                  <a:ext cx="351360" cy="267840"/>
+                </a:xfrm>
+                <a:prstGeom prst="rect">
+                  <a:avLst/>
+                </a:prstGeom>
+              </p:spPr>
+            </p:pic>
+          </mc:Fallback>
+        </mc:AlternateContent>
+      </p:grpSp>
+      <p:grpSp>
+        <p:nvGrpSpPr>
+          <p:cNvPr id="10" name="Agrupar 9">
+            <a:extLst>
+              <a:ext uri="{FF2B5EF4-FFF2-40B4-BE49-F238E27FC236}">
+                <a16:creationId xmlns:a16="http://schemas.microsoft.com/office/drawing/2014/main" id="{7DF370BF-430D-47C9-BB4D-A9295B31E80B}"/>
+              </a:ext>
+            </a:extLst>
+          </p:cNvPr>
+          <p:cNvGrpSpPr/>
+          <p:nvPr/>
+        </p:nvGrpSpPr>
+        <p:grpSpPr>
+          <a:xfrm>
+            <a:off x="4875993" y="2392442"/>
+            <a:ext cx="500400" cy="446400"/>
+            <a:chOff x="4875993" y="2392442"/>
+            <a:chExt cx="500400" cy="446400"/>
+          </a:xfrm>
+        </p:grpSpPr>
+        <mc:AlternateContent xmlns:mc="http://schemas.openxmlformats.org/markup-compatibility/2006">
+          <mc:Choice xmlns:p14="http://schemas.microsoft.com/office/powerpoint/2010/main" Requires="p14">
+            <p:contentPart p14:bwMode="auto" r:id="rId9">
+              <p14:nvContentPartPr>
+                <p14:cNvPr id="3" name="Tinta 2">
+                  <a:extLst>
+                    <a:ext uri="{FF2B5EF4-FFF2-40B4-BE49-F238E27FC236}">
+                      <a16:creationId xmlns:a16="http://schemas.microsoft.com/office/drawing/2014/main" id="{A7F9FC1F-A39C-482B-B9C0-DFD238343F94}"/>
+                    </a:ext>
+                  </a:extLst>
+                </p14:cNvPr>
+                <p14:cNvContentPartPr/>
+                <p14:nvPr/>
+              </p14:nvContentPartPr>
+              <p14:xfrm>
+                <a:off x="5067513" y="2497922"/>
+                <a:ext cx="308880" cy="340920"/>
+              </p14:xfrm>
+            </p:contentPart>
+          </mc:Choice>
+          <mc:Fallback>
+            <p:pic>
+              <p:nvPicPr>
+                <p:cNvPr id="3" name="Tinta 2">
+                  <a:extLst>
+                    <a:ext uri="{FF2B5EF4-FFF2-40B4-BE49-F238E27FC236}">
+                      <a16:creationId xmlns:a16="http://schemas.microsoft.com/office/drawing/2014/main" id="{A7F9FC1F-A39C-482B-B9C0-DFD238343F94}"/>
+                    </a:ext>
+                  </a:extLst>
+                </p:cNvPr>
+                <p:cNvPicPr/>
+                <p:nvPr/>
+              </p:nvPicPr>
+              <p:blipFill>
+                <a:blip r:embed="rId10"/>
+                <a:stretch>
+                  <a:fillRect/>
+                </a:stretch>
+              </p:blipFill>
+              <p:spPr>
+                <a:xfrm>
+                  <a:off x="5058513" y="2489282"/>
+                  <a:ext cx="326520" cy="358560"/>
+                </a:xfrm>
+                <a:prstGeom prst="rect">
+                  <a:avLst/>
+                </a:prstGeom>
+              </p:spPr>
+            </p:pic>
+          </mc:Fallback>
+        </mc:AlternateContent>
+        <mc:AlternateContent xmlns:mc="http://schemas.openxmlformats.org/markup-compatibility/2006">
+          <mc:Choice xmlns:p14="http://schemas.microsoft.com/office/powerpoint/2010/main" Requires="p14">
+            <p:contentPart p14:bwMode="auto" r:id="rId11">
+              <p14:nvContentPartPr>
+                <p14:cNvPr id="8" name="Tinta 7">
+                  <a:extLst>
+                    <a:ext uri="{FF2B5EF4-FFF2-40B4-BE49-F238E27FC236}">
+                      <a16:creationId xmlns:a16="http://schemas.microsoft.com/office/drawing/2014/main" id="{8D286ECC-830A-4A24-9D76-C9E4A900A550}"/>
+                    </a:ext>
+                  </a:extLst>
+                </p14:cNvPr>
+                <p14:cNvContentPartPr/>
+                <p14:nvPr/>
+              </p14:nvContentPartPr>
+              <p14:xfrm>
+                <a:off x="4875993" y="2431322"/>
+                <a:ext cx="342000" cy="270720"/>
+              </p14:xfrm>
+            </p:contentPart>
+          </mc:Choice>
+          <mc:Fallback>
+            <p:pic>
+              <p:nvPicPr>
+                <p:cNvPr id="8" name="Tinta 7">
+                  <a:extLst>
+                    <a:ext uri="{FF2B5EF4-FFF2-40B4-BE49-F238E27FC236}">
+                      <a16:creationId xmlns:a16="http://schemas.microsoft.com/office/drawing/2014/main" id="{8D286ECC-830A-4A24-9D76-C9E4A900A550}"/>
+                    </a:ext>
+                  </a:extLst>
+                </p:cNvPr>
+                <p:cNvPicPr/>
+                <p:nvPr/>
+              </p:nvPicPr>
+              <p:blipFill>
+                <a:blip r:embed="rId12"/>
+                <a:stretch>
+                  <a:fillRect/>
+                </a:stretch>
+              </p:blipFill>
+              <p:spPr>
+                <a:xfrm>
+                  <a:off x="4866993" y="2422322"/>
+                  <a:ext cx="359640" cy="288360"/>
+                </a:xfrm>
+                <a:prstGeom prst="rect">
+                  <a:avLst/>
+                </a:prstGeom>
+              </p:spPr>
+            </p:pic>
+          </mc:Fallback>
+        </mc:AlternateContent>
+        <mc:AlternateContent xmlns:mc="http://schemas.openxmlformats.org/markup-compatibility/2006">
+          <mc:Choice xmlns:p14="http://schemas.microsoft.com/office/powerpoint/2010/main" Requires="p14">
+            <p:contentPart p14:bwMode="auto" r:id="rId13">
+              <p14:nvContentPartPr>
+                <p14:cNvPr id="9" name="Tinta 8">
+                  <a:extLst>
+                    <a:ext uri="{FF2B5EF4-FFF2-40B4-BE49-F238E27FC236}">
+                      <a16:creationId xmlns:a16="http://schemas.microsoft.com/office/drawing/2014/main" id="{327DD291-A45A-4D11-B7C1-347FA49FAD80}"/>
+                    </a:ext>
+                  </a:extLst>
+                </p14:cNvPr>
+                <p14:cNvContentPartPr/>
+                <p14:nvPr/>
+              </p14:nvContentPartPr>
+              <p14:xfrm>
+                <a:off x="5008473" y="2392442"/>
+                <a:ext cx="259560" cy="347760"/>
+              </p14:xfrm>
+            </p:contentPart>
+          </mc:Choice>
+          <mc:Fallback>
+            <p:pic>
+              <p:nvPicPr>
+                <p:cNvPr id="9" name="Tinta 8">
+                  <a:extLst>
+                    <a:ext uri="{FF2B5EF4-FFF2-40B4-BE49-F238E27FC236}">
+                      <a16:creationId xmlns:a16="http://schemas.microsoft.com/office/drawing/2014/main" id="{327DD291-A45A-4D11-B7C1-347FA49FAD80}"/>
+                    </a:ext>
+                  </a:extLst>
+                </p:cNvPr>
+                <p:cNvPicPr/>
+                <p:nvPr/>
+              </p:nvPicPr>
+              <p:blipFill>
+                <a:blip r:embed="rId14"/>
+                <a:stretch>
+                  <a:fillRect/>
+                </a:stretch>
+              </p:blipFill>
+              <p:spPr>
+                <a:xfrm>
+                  <a:off x="4999833" y="2383442"/>
+                  <a:ext cx="277200" cy="365400"/>
+                </a:xfrm>
+                <a:prstGeom prst="rect">
+                  <a:avLst/>
+                </a:prstGeom>
+              </p:spPr>
+            </p:pic>
+          </mc:Fallback>
+        </mc:AlternateContent>
+      </p:grpSp>
     </p:spTree>
     <p:extLst>
       <p:ext uri="{BB962C8B-B14F-4D97-AF65-F5344CB8AC3E}">
